--- a/seance1_2024.pptx
+++ b/seance1_2024.pptx
@@ -4660,7 +4660,7 @@
         <p:spPr>
           <a:xfrm>
             <a:off x="668466" y="2866055"/>
-            <a:ext cx="7669087" cy="461665"/>
+            <a:ext cx="7327006" cy="461665"/>
           </a:xfrm>
           <a:prstGeom prst="rect">
             <a:avLst/>
@@ -4675,11 +4675,11 @@
           <a:p>
             <a:r>
               <a:rPr lang="fr-FR" dirty="0"/>
-              <a:t>git clone https://</a:t>
-            </a:r>
-            <a:r>
-              <a:rPr lang="fr-FR" dirty="0" smtClean="0"/>
-              <a:t>gitlab.ensimag.fr/toussaij/projets1a_2024.git</a:t>
+              <a:t>git clone </a:t>
+            </a:r>
+            <a:r>
+              <a:rPr lang="fr-FR" dirty="0"/>
+              <a:t>https://github.com/JC-Toussaint/projets1A_2024</a:t>
             </a:r>
             <a:endParaRPr lang="fr-FR" dirty="0"/>
           </a:p>
@@ -13343,15 +13343,7 @@
             </a:pPr>
             <a:r>
               <a:rPr lang="fr-FR" dirty="0" smtClean="0"/>
-              <a:t>1. Maxwell </a:t>
-            </a:r>
-            <a:r>
-              <a:rPr lang="fr-FR" dirty="0" smtClean="0"/>
-              <a:t>: simulation d’un gaz de sphères dures en </a:t>
-            </a:r>
-            <a:r>
-              <a:rPr lang="fr-FR" dirty="0" smtClean="0"/>
-              <a:t>interaction</a:t>
+              <a:t>1. Maxwell : simulation d’un gaz de sphères dures en interaction</a:t>
             </a:r>
           </a:p>
           <a:p>
@@ -13362,13 +13354,8 @@
             </a:pPr>
             <a:r>
               <a:rPr lang="fr-FR" dirty="0" smtClean="0"/>
-              <a:t>2. Méthode </a:t>
-            </a:r>
-            <a:r>
-              <a:rPr lang="fr-FR" dirty="0" smtClean="0"/>
-              <a:t>du simplexe : recherche du minimum local </a:t>
-            </a:r>
-            <a:endParaRPr lang="fr-FR" dirty="0" smtClean="0"/>
+              <a:t>2. Méthode du simplexe : recherche du minimum local </a:t>
+            </a:r>
           </a:p>
           <a:p>
             <a:pPr>
@@ -13382,15 +13369,7 @@
             </a:r>
             <a:r>
               <a:rPr lang="fr-FR" dirty="0" smtClean="0"/>
-              <a:t>d’une </a:t>
-            </a:r>
-            <a:r>
-              <a:rPr lang="fr-FR" dirty="0" smtClean="0"/>
-              <a:t>fonction à plusieurs </a:t>
-            </a:r>
-            <a:r>
-              <a:rPr lang="fr-FR" dirty="0" smtClean="0"/>
-              <a:t>variables</a:t>
+              <a:t>d’une fonction à plusieurs variables</a:t>
             </a:r>
           </a:p>
           <a:p>
@@ -13401,15 +13380,7 @@
             </a:pPr>
             <a:r>
               <a:rPr lang="fr-FR" dirty="0" smtClean="0"/>
-              <a:t>3. Mouvement </a:t>
-            </a:r>
-            <a:r>
-              <a:rPr lang="fr-FR" dirty="0" smtClean="0"/>
-              <a:t>chaotique d’un pendule </a:t>
-            </a:r>
-            <a:r>
-              <a:rPr lang="fr-FR" dirty="0" smtClean="0"/>
-              <a:t>pesant</a:t>
+              <a:t>3. Mouvement chaotique d’un pendule pesant</a:t>
             </a:r>
           </a:p>
           <a:p>
@@ -13420,13 +13391,8 @@
             </a:pPr>
             <a:r>
               <a:rPr lang="fr-FR" dirty="0" smtClean="0"/>
-              <a:t>4. Dynamique </a:t>
-            </a:r>
-            <a:r>
-              <a:rPr lang="fr-FR" dirty="0" smtClean="0"/>
-              <a:t>d’un satellite ou d’une sonde spatiale </a:t>
-            </a:r>
-            <a:endParaRPr lang="fr-FR" dirty="0" smtClean="0"/>
+              <a:t>4. Dynamique d’un satellite ou d’une sonde spatiale </a:t>
+            </a:r>
           </a:p>
           <a:p>
             <a:pPr>
@@ -13440,15 +13406,7 @@
             </a:r>
             <a:r>
               <a:rPr lang="fr-FR" dirty="0" smtClean="0"/>
-              <a:t>dans </a:t>
-            </a:r>
-            <a:r>
-              <a:rPr lang="fr-FR" dirty="0" smtClean="0"/>
-              <a:t>le système </a:t>
-            </a:r>
-            <a:r>
-              <a:rPr lang="fr-FR" dirty="0" smtClean="0"/>
-              <a:t>solaire</a:t>
+              <a:t>dans le système solaire</a:t>
             </a:r>
           </a:p>
           <a:p>
@@ -13459,11 +13417,7 @@
             </a:pPr>
             <a:r>
               <a:rPr lang="fr-FR" dirty="0" smtClean="0"/>
-              <a:t>5. Modèle </a:t>
-            </a:r>
-            <a:r>
-              <a:rPr lang="fr-FR" dirty="0" smtClean="0"/>
-              <a:t>d’</a:t>
+              <a:t>5. Modèle d’</a:t>
             </a:r>
             <a:r>
               <a:rPr lang="fr-FR" dirty="0" err="1" smtClean="0"/>
@@ -13490,13 +13444,8 @@
             </a:pPr>
             <a:r>
               <a:rPr lang="fr-FR" dirty="0" smtClean="0"/>
-              <a:t>6. Algorithmes </a:t>
-            </a:r>
-            <a:r>
-              <a:rPr lang="fr-FR" dirty="0" smtClean="0"/>
-              <a:t>génétiques : recherche des minima globaux </a:t>
-            </a:r>
-            <a:endParaRPr lang="fr-FR" dirty="0" smtClean="0"/>
+              <a:t>6. Algorithmes génétiques : recherche des minima globaux </a:t>
+            </a:r>
           </a:p>
           <a:p>
             <a:pPr>
@@ -13506,15 +13455,7 @@
             </a:pPr>
             <a:r>
               <a:rPr lang="fr-FR" dirty="0" smtClean="0"/>
-              <a:t>d’une fonction </a:t>
-            </a:r>
-            <a:r>
-              <a:rPr lang="fr-FR" dirty="0" smtClean="0"/>
-              <a:t>à plusieurs </a:t>
-            </a:r>
-            <a:r>
-              <a:rPr lang="fr-FR" dirty="0" smtClean="0"/>
-              <a:t>variables</a:t>
+              <a:t>d’une fonction à plusieurs variables</a:t>
             </a:r>
           </a:p>
           <a:p>
